--- a/code/recruitment figures/BMI type bar plot/BMI_recruitment_v1-19June2024_michele.pptx
+++ b/code/recruitment figures/BMI type bar plot/BMI_recruitment_v1-19June2024_michele.pptx
@@ -260,7 +260,7 @@
           <a:p>
             <a:fld id="{C6791984-3CF7-43EF-A0AA-CFCE0EDA87DC}" type="datetimeFigureOut">
               <a:rPr lang="en-US" smtClean="0"/>
-              <a:t>6/19/2024</a:t>
+              <a:t>6/20/2024</a:t>
             </a:fld>
             <a:endParaRPr lang="en-US"/>
           </a:p>
@@ -458,7 +458,7 @@
           <a:p>
             <a:fld id="{C6791984-3CF7-43EF-A0AA-CFCE0EDA87DC}" type="datetimeFigureOut">
               <a:rPr lang="en-US" smtClean="0"/>
-              <a:t>6/19/2024</a:t>
+              <a:t>6/20/2024</a:t>
             </a:fld>
             <a:endParaRPr lang="en-US"/>
           </a:p>
@@ -666,7 +666,7 @@
           <a:p>
             <a:fld id="{C6791984-3CF7-43EF-A0AA-CFCE0EDA87DC}" type="datetimeFigureOut">
               <a:rPr lang="en-US" smtClean="0"/>
-              <a:t>6/19/2024</a:t>
+              <a:t>6/20/2024</a:t>
             </a:fld>
             <a:endParaRPr lang="en-US"/>
           </a:p>
@@ -864,7 +864,7 @@
           <a:p>
             <a:fld id="{C6791984-3CF7-43EF-A0AA-CFCE0EDA87DC}" type="datetimeFigureOut">
               <a:rPr lang="en-US" smtClean="0"/>
-              <a:t>6/19/2024</a:t>
+              <a:t>6/20/2024</a:t>
             </a:fld>
             <a:endParaRPr lang="en-US"/>
           </a:p>
@@ -1139,7 +1139,7 @@
           <a:p>
             <a:fld id="{C6791984-3CF7-43EF-A0AA-CFCE0EDA87DC}" type="datetimeFigureOut">
               <a:rPr lang="en-US" smtClean="0"/>
-              <a:t>6/19/2024</a:t>
+              <a:t>6/20/2024</a:t>
             </a:fld>
             <a:endParaRPr lang="en-US"/>
           </a:p>
@@ -1404,7 +1404,7 @@
           <a:p>
             <a:fld id="{C6791984-3CF7-43EF-A0AA-CFCE0EDA87DC}" type="datetimeFigureOut">
               <a:rPr lang="en-US" smtClean="0"/>
-              <a:t>6/19/2024</a:t>
+              <a:t>6/20/2024</a:t>
             </a:fld>
             <a:endParaRPr lang="en-US"/>
           </a:p>
@@ -1816,7 +1816,7 @@
           <a:p>
             <a:fld id="{C6791984-3CF7-43EF-A0AA-CFCE0EDA87DC}" type="datetimeFigureOut">
               <a:rPr lang="en-US" smtClean="0"/>
-              <a:t>6/19/2024</a:t>
+              <a:t>6/20/2024</a:t>
             </a:fld>
             <a:endParaRPr lang="en-US"/>
           </a:p>
@@ -1957,7 +1957,7 @@
           <a:p>
             <a:fld id="{C6791984-3CF7-43EF-A0AA-CFCE0EDA87DC}" type="datetimeFigureOut">
               <a:rPr lang="en-US" smtClean="0"/>
-              <a:t>6/19/2024</a:t>
+              <a:t>6/20/2024</a:t>
             </a:fld>
             <a:endParaRPr lang="en-US"/>
           </a:p>
@@ -2070,7 +2070,7 @@
           <a:p>
             <a:fld id="{C6791984-3CF7-43EF-A0AA-CFCE0EDA87DC}" type="datetimeFigureOut">
               <a:rPr lang="en-US" smtClean="0"/>
-              <a:t>6/19/2024</a:t>
+              <a:t>6/20/2024</a:t>
             </a:fld>
             <a:endParaRPr lang="en-US"/>
           </a:p>
@@ -2381,7 +2381,7 @@
           <a:p>
             <a:fld id="{C6791984-3CF7-43EF-A0AA-CFCE0EDA87DC}" type="datetimeFigureOut">
               <a:rPr lang="en-US" smtClean="0"/>
-              <a:t>6/19/2024</a:t>
+              <a:t>6/20/2024</a:t>
             </a:fld>
             <a:endParaRPr lang="en-US"/>
           </a:p>
@@ -2669,7 +2669,7 @@
           <a:p>
             <a:fld id="{C6791984-3CF7-43EF-A0AA-CFCE0EDA87DC}" type="datetimeFigureOut">
               <a:rPr lang="en-US" smtClean="0"/>
-              <a:t>6/19/2024</a:t>
+              <a:t>6/20/2024</a:t>
             </a:fld>
             <a:endParaRPr lang="en-US"/>
           </a:p>
@@ -2910,7 +2910,7 @@
           <a:p>
             <a:fld id="{C6791984-3CF7-43EF-A0AA-CFCE0EDA87DC}" type="datetimeFigureOut">
               <a:rPr lang="en-US" smtClean="0"/>
-              <a:t>6/19/2024</a:t>
+              <a:t>6/20/2024</a:t>
             </a:fld>
             <a:endParaRPr lang="en-US"/>
           </a:p>
@@ -3354,8 +3354,8 @@
         </p:blipFill>
         <p:spPr>
           <a:xfrm>
-            <a:off x="427129" y="1302716"/>
-            <a:ext cx="11337742" cy="4535096"/>
+            <a:off x="427130" y="1302716"/>
+            <a:ext cx="11337740" cy="4535096"/>
           </a:xfrm>
           <a:prstGeom prst="rect">
             <a:avLst/>
